--- a/ppt/최종프로젝트 기획안 (4팀).pptx
+++ b/ppt/최종프로젝트 기획안 (4팀).pptx
@@ -282,7 +282,7 @@
               <a:pPr>
                 <a:defRPr/>
               </a:pPr>
-              <a:t>2022-1-05(Wed)</a:t>
+              <a:t>2022-1-20(Thu)</a:t>
             </a:fld>
             <a:endParaRPr lang="ko-KR" altLang="en-US"/>
           </a:p>
@@ -796,7 +796,7 @@
               <a:pPr>
                 <a:defRPr/>
               </a:pPr>
-              <a:t>2022-1-05(Wed)</a:t>
+              <a:t>2022-1-20(Thu)</a:t>
             </a:fld>
             <a:endParaRPr lang="ko-KR" altLang="en-US"/>
           </a:p>
@@ -991,7 +991,7 @@
               <a:pPr>
                 <a:defRPr/>
               </a:pPr>
-              <a:t>2022-1-05(Wed)</a:t>
+              <a:t>2022-1-20(Thu)</a:t>
             </a:fld>
             <a:endParaRPr lang="ko-KR" altLang="en-US"/>
           </a:p>
@@ -1196,7 +1196,7 @@
               <a:pPr>
                 <a:defRPr/>
               </a:pPr>
-              <a:t>2022-1-05(Wed)</a:t>
+              <a:t>2022-1-20(Thu)</a:t>
             </a:fld>
             <a:endParaRPr lang="ko-KR" altLang="en-US"/>
           </a:p>
@@ -1469,7 +1469,7 @@
               <a:pPr>
                 <a:defRPr/>
               </a:pPr>
-              <a:t>2022-1-05(Wed)</a:t>
+              <a:t>2022-1-20(Thu)</a:t>
             </a:fld>
             <a:endParaRPr lang="ko-KR" altLang="en-US">
               <a:solidFill>
@@ -1694,7 +1694,7 @@
               <a:pPr>
                 <a:defRPr/>
               </a:pPr>
-              <a:t>2022-1-05(Wed)</a:t>
+              <a:t>2022-1-20(Thu)</a:t>
             </a:fld>
             <a:endParaRPr lang="ko-KR" altLang="en-US">
               <a:solidFill>
@@ -1996,7 +1996,7 @@
               <a:pPr>
                 <a:defRPr/>
               </a:pPr>
-              <a:t>2022-1-05(Wed)</a:t>
+              <a:t>2022-1-20(Thu)</a:t>
             </a:fld>
             <a:endParaRPr lang="ko-KR" altLang="en-US">
               <a:solidFill>
@@ -2338,7 +2338,7 @@
               <a:pPr>
                 <a:defRPr/>
               </a:pPr>
-              <a:t>2022-1-05(Wed)</a:t>
+              <a:t>2022-1-20(Thu)</a:t>
             </a:fld>
             <a:endParaRPr lang="ko-KR" altLang="en-US">
               <a:solidFill>
@@ -2814,7 +2814,7 @@
               <a:pPr>
                 <a:defRPr/>
               </a:pPr>
-              <a:t>2022-1-05(Wed)</a:t>
+              <a:t>2022-1-20(Thu)</a:t>
             </a:fld>
             <a:endParaRPr lang="ko-KR" altLang="en-US">
               <a:solidFill>
@@ -2988,7 +2988,7 @@
               <a:pPr>
                 <a:defRPr/>
               </a:pPr>
-              <a:t>2022-1-05(Wed)</a:t>
+              <a:t>2022-1-20(Thu)</a:t>
             </a:fld>
             <a:endParaRPr lang="ko-KR" altLang="en-US">
               <a:solidFill>
@@ -3496,7 +3496,7 @@
               <a:pPr>
                 <a:defRPr/>
               </a:pPr>
-              <a:t>2022-1-05(Wed)</a:t>
+              <a:t>2022-1-20(Thu)</a:t>
             </a:fld>
             <a:endParaRPr lang="ko-KR" altLang="en-US">
               <a:solidFill>
@@ -3715,7 +3715,7 @@
               <a:pPr>
                 <a:defRPr/>
               </a:pPr>
-              <a:t>2022-1-05(Wed)</a:t>
+              <a:t>2022-1-20(Thu)</a:t>
             </a:fld>
             <a:endParaRPr lang="ko-KR" altLang="en-US"/>
           </a:p>
@@ -4003,7 +4003,7 @@
               <a:pPr>
                 <a:defRPr/>
               </a:pPr>
-              <a:t>2022-1-05(Wed)</a:t>
+              <a:t>2022-1-20(Thu)</a:t>
             </a:fld>
             <a:endParaRPr lang="ko-KR" altLang="en-US">
               <a:solidFill>
@@ -4228,7 +4228,7 @@
               <a:pPr>
                 <a:defRPr/>
               </a:pPr>
-              <a:t>2022-1-05(Wed)</a:t>
+              <a:t>2022-1-20(Thu)</a:t>
             </a:fld>
             <a:endParaRPr lang="ko-KR" altLang="en-US">
               <a:solidFill>
@@ -4463,7 +4463,7 @@
               <a:pPr>
                 <a:defRPr/>
               </a:pPr>
-              <a:t>2022-1-05(Wed)</a:t>
+              <a:t>2022-1-20(Thu)</a:t>
             </a:fld>
             <a:endParaRPr lang="ko-KR" altLang="en-US">
               <a:solidFill>
@@ -4759,7 +4759,7 @@
               <a:pPr>
                 <a:defRPr/>
               </a:pPr>
-              <a:t>2022-1-05(Wed)</a:t>
+              <a:t>2022-1-20(Thu)</a:t>
             </a:fld>
             <a:endParaRPr lang="ko-KR" altLang="en-US"/>
           </a:p>
@@ -5071,7 +5071,7 @@
               <a:pPr>
                 <a:defRPr/>
               </a:pPr>
-              <a:t>2022-1-05(Wed)</a:t>
+              <a:t>2022-1-20(Thu)</a:t>
             </a:fld>
             <a:endParaRPr lang="ko-KR" altLang="en-US"/>
           </a:p>
@@ -5517,7 +5517,7 @@
               <a:pPr>
                 <a:defRPr/>
               </a:pPr>
-              <a:t>2022-1-05(Wed)</a:t>
+              <a:t>2022-1-20(Thu)</a:t>
             </a:fld>
             <a:endParaRPr lang="ko-KR" altLang="en-US"/>
           </a:p>
@@ -5661,7 +5661,7 @@
               <a:pPr>
                 <a:defRPr/>
               </a:pPr>
-              <a:t>2022-1-05(Wed)</a:t>
+              <a:t>2022-1-20(Thu)</a:t>
             </a:fld>
             <a:endParaRPr lang="ko-KR" altLang="en-US"/>
           </a:p>
@@ -6131,7 +6131,7 @@
               <a:pPr>
                 <a:defRPr/>
               </a:pPr>
-              <a:t>2022-1-05(Wed)</a:t>
+              <a:t>2022-1-20(Thu)</a:t>
             </a:fld>
             <a:endParaRPr lang="ko-KR" altLang="en-US"/>
           </a:p>
@@ -6413,7 +6413,7 @@
               <a:pPr>
                 <a:defRPr/>
               </a:pPr>
-              <a:t>2022-1-05(Wed)</a:t>
+              <a:t>2022-1-20(Thu)</a:t>
             </a:fld>
             <a:endParaRPr lang="ko-KR" altLang="en-US"/>
           </a:p>
@@ -6709,7 +6709,7 @@
               <a:pPr>
                 <a:defRPr/>
               </a:pPr>
-              <a:t>2022-1-05(Wed)</a:t>
+              <a:t>2022-1-20(Thu)</a:t>
             </a:fld>
             <a:endParaRPr lang="ko-KR" altLang="en-US"/>
           </a:p>
@@ -7448,7 +7448,7 @@
               <a:pPr>
                 <a:defRPr/>
               </a:pPr>
-              <a:t>2022-1-05(Wed)</a:t>
+              <a:t>2022-1-20(Thu)</a:t>
             </a:fld>
             <a:endParaRPr lang="ko-KR" altLang="en-US">
               <a:solidFill>
@@ -9833,10 +9833,9 @@
           <a:p>
             <a:pPr algn="ctr"/>
             <a:r>
-              <a:rPr lang="ko-KR" altLang="en-US"/>
-              <a:t>얼굴 사진 데이터를 이용해 얼굴형 분석을 토대로 헤어스타일 추천</a:t>
-            </a:r>
-            <a:endParaRPr lang="ko-KR" altLang="en-US" dirty="0"/>
+              <a:rPr lang="ko-KR" altLang="en-US" dirty="0"/>
+              <a:t>영화 데이터 분석을 토대로 제작비 예측 모델 작성</a:t>
+            </a:r>
           </a:p>
         </p:txBody>
       </p:sp>
@@ -9875,7 +9874,19 @@
             </a:pPr>
             <a:r>
               <a:rPr lang="ko-KR" altLang="en-US" dirty="0"/>
-              <a:t>헤어스타일을 정하기 힘든 사람들을 위해</a:t>
+              <a:t>영화 산업에 발달에 따른 매출액 증대 및 안정화를 위해</a:t>
+            </a:r>
+            <a:endParaRPr lang="en-US" altLang="ko-KR" dirty="0"/>
+          </a:p>
+          <a:p>
+            <a:pPr algn="ctr">
+              <a:lnSpc>
+                <a:spcPct val="300000"/>
+              </a:lnSpc>
+            </a:pPr>
+            <a:r>
+              <a:rPr lang="ko-KR" altLang="en-US" dirty="0"/>
+              <a:t>수요를 예측해보기로 하여</a:t>
             </a:r>
             <a:r>
               <a:rPr lang="en-US" altLang="ko-KR" dirty="0"/>
@@ -9883,15 +9894,19 @@
             </a:r>
             <a:r>
               <a:rPr lang="ko-KR" altLang="en-US" dirty="0"/>
-              <a:t>자신에게 잘 맞을 것 같은</a:t>
+              <a:t>수집한 데이터를 토대로 분석하여</a:t>
             </a:r>
             <a:endParaRPr lang="en-US" altLang="ko-KR" dirty="0"/>
           </a:p>
           <a:p>
-            <a:pPr algn="ctr"/>
+            <a:pPr algn="ctr">
+              <a:lnSpc>
+                <a:spcPct val="300000"/>
+              </a:lnSpc>
+            </a:pPr>
             <a:r>
               <a:rPr lang="ko-KR" altLang="en-US" dirty="0"/>
-              <a:t>헤어스타일 제시를 통해 헤어스타일 선택의 부담감을 해소시킴</a:t>
+              <a:t>그 결과를 이용해 제작비를 예측하는 모델을 만드는 것을 목적으로 함</a:t>
             </a:r>
           </a:p>
         </p:txBody>
@@ -10229,7 +10244,7 @@
         <p:spPr>
           <a:xfrm>
             <a:off x="971600" y="1592287"/>
-            <a:ext cx="3276000" cy="1254189"/>
+            <a:ext cx="3276000" cy="1455270"/>
           </a:xfrm>
           <a:prstGeom prst="rect">
             <a:avLst/>
@@ -10346,6 +10361,53 @@
               </a:rPr>
               <a:t>  - </a:t>
             </a:r>
+            <a:r>
+              <a:rPr lang="ko-KR" altLang="en-US" sz="1000" dirty="0">
+                <a:solidFill>
+                  <a:srgbClr val="4B2F70"/>
+                </a:solidFill>
+                <a:ea typeface="맑은 고딕" panose="020B0503020000020004" pitchFamily="50" charset="-127"/>
+              </a:rPr>
+              <a:t>데이터 분석</a:t>
+            </a:r>
+            <a:endParaRPr lang="en-US" altLang="ko-KR" sz="1000" dirty="0">
+              <a:solidFill>
+                <a:srgbClr val="4B2F70"/>
+              </a:solidFill>
+              <a:ea typeface="맑은 고딕" panose="020B0503020000020004" pitchFamily="50" charset="-127"/>
+            </a:endParaRPr>
+          </a:p>
+          <a:p>
+            <a:pPr>
+              <a:lnSpc>
+                <a:spcPct val="150000"/>
+              </a:lnSpc>
+              <a:defRPr/>
+            </a:pPr>
+            <a:r>
+              <a:rPr lang="en-US" altLang="ko-KR" sz="1000" dirty="0">
+                <a:solidFill>
+                  <a:srgbClr val="4B2F70"/>
+                </a:solidFill>
+                <a:ea typeface="맑은 고딕" panose="020B0503020000020004" pitchFamily="50" charset="-127"/>
+              </a:rPr>
+              <a:t>  - </a:t>
+            </a:r>
+            <a:r>
+              <a:rPr lang="ko-KR" altLang="en-US" sz="1000" dirty="0">
+                <a:solidFill>
+                  <a:srgbClr val="4B2F70"/>
+                </a:solidFill>
+                <a:ea typeface="맑은 고딕" panose="020B0503020000020004" pitchFamily="50" charset="-127"/>
+              </a:rPr>
+              <a:t>데이터 모델링</a:t>
+            </a:r>
+            <a:endParaRPr lang="en-US" altLang="ko-KR" sz="1000" dirty="0">
+              <a:solidFill>
+                <a:srgbClr val="4B2F70"/>
+              </a:solidFill>
+              <a:ea typeface="맑은 고딕" panose="020B0503020000020004" pitchFamily="50" charset="-127"/>
+            </a:endParaRPr>
           </a:p>
         </p:txBody>
       </p:sp>
@@ -10490,7 +10552,7 @@
         <p:spPr>
           <a:xfrm>
             <a:off x="971600" y="4509120"/>
-            <a:ext cx="3276000" cy="1254189"/>
+            <a:ext cx="3276000" cy="1686103"/>
           </a:xfrm>
           <a:prstGeom prst="rect">
             <a:avLst/>
@@ -10607,6 +10669,94 @@
               </a:rPr>
               <a:t>  - </a:t>
             </a:r>
+            <a:r>
+              <a:rPr lang="ko-KR" altLang="en-US" sz="1000" dirty="0">
+                <a:solidFill>
+                  <a:srgbClr val="4B2F70"/>
+                </a:solidFill>
+                <a:ea typeface="맑은 고딕" panose="020B0503020000020004" pitchFamily="50" charset="-127"/>
+              </a:rPr>
+              <a:t>데이터 수집</a:t>
+            </a:r>
+            <a:endParaRPr lang="en-US" altLang="ko-KR" sz="1000" dirty="0">
+              <a:solidFill>
+                <a:srgbClr val="4B2F70"/>
+              </a:solidFill>
+              <a:ea typeface="맑은 고딕" panose="020B0503020000020004" pitchFamily="50" charset="-127"/>
+            </a:endParaRPr>
+          </a:p>
+          <a:p>
+            <a:pPr>
+              <a:lnSpc>
+                <a:spcPct val="150000"/>
+              </a:lnSpc>
+              <a:defRPr/>
+            </a:pPr>
+            <a:r>
+              <a:rPr lang="en-US" altLang="ko-KR" sz="1000" dirty="0">
+                <a:solidFill>
+                  <a:srgbClr val="4B2F70"/>
+                </a:solidFill>
+                <a:ea typeface="맑은 고딕" panose="020B0503020000020004" pitchFamily="50" charset="-127"/>
+              </a:rPr>
+              <a:t>  - </a:t>
+            </a:r>
+            <a:r>
+              <a:rPr lang="ko-KR" altLang="en-US" sz="1000" dirty="0">
+                <a:solidFill>
+                  <a:srgbClr val="4B2F70"/>
+                </a:solidFill>
+                <a:ea typeface="맑은 고딕" panose="020B0503020000020004" pitchFamily="50" charset="-127"/>
+              </a:rPr>
+              <a:t>데이터 </a:t>
+            </a:r>
+            <a:r>
+              <a:rPr lang="ko-KR" altLang="en-US" sz="1000" dirty="0" err="1">
+                <a:solidFill>
+                  <a:srgbClr val="4B2F70"/>
+                </a:solidFill>
+                <a:ea typeface="맑은 고딕" panose="020B0503020000020004" pitchFamily="50" charset="-127"/>
+              </a:rPr>
+              <a:t>전처리</a:t>
+            </a:r>
+            <a:endParaRPr lang="en-US" altLang="ko-KR" sz="1000" dirty="0">
+              <a:solidFill>
+                <a:srgbClr val="4B2F70"/>
+              </a:solidFill>
+              <a:ea typeface="맑은 고딕" panose="020B0503020000020004" pitchFamily="50" charset="-127"/>
+            </a:endParaRPr>
+          </a:p>
+          <a:p>
+            <a:pPr>
+              <a:lnSpc>
+                <a:spcPct val="150000"/>
+              </a:lnSpc>
+              <a:defRPr/>
+            </a:pPr>
+            <a:r>
+              <a:rPr lang="en-US" altLang="ko-KR" sz="1000" dirty="0">
+                <a:solidFill>
+                  <a:srgbClr val="4B2F70"/>
+                </a:solidFill>
+                <a:ea typeface="맑은 고딕" panose="020B0503020000020004" pitchFamily="50" charset="-127"/>
+              </a:rPr>
+              <a:t>  - PPT </a:t>
+            </a:r>
+            <a:r>
+              <a:rPr lang="ko-KR" altLang="en-US" sz="1000" dirty="0">
+                <a:solidFill>
+                  <a:srgbClr val="4B2F70"/>
+                </a:solidFill>
+                <a:ea typeface="맑은 고딕" panose="020B0503020000020004" pitchFamily="50" charset="-127"/>
+              </a:rPr>
+              <a:t>제작</a:t>
+            </a:r>
+            <a:endParaRPr lang="en-US" altLang="ko-KR" sz="1000" dirty="0">
+              <a:solidFill>
+                <a:srgbClr val="4B2F70"/>
+              </a:solidFill>
+              <a:ea typeface="맑은 고딕" panose="020B0503020000020004" pitchFamily="50" charset="-127"/>
+            </a:endParaRPr>
           </a:p>
         </p:txBody>
       </p:sp>
@@ -10619,7 +10769,7 @@
         <p:spPr>
           <a:xfrm>
             <a:off x="4932040" y="1598747"/>
-            <a:ext cx="3276000" cy="1508105"/>
+            <a:ext cx="3276000" cy="1709186"/>
           </a:xfrm>
           <a:prstGeom prst="rect">
             <a:avLst/>
@@ -10768,6 +10918,53 @@
               </a:rPr>
               <a:t>  - </a:t>
             </a:r>
+            <a:r>
+              <a:rPr lang="ko-KR" altLang="en-US" sz="1000" dirty="0">
+                <a:solidFill>
+                  <a:srgbClr val="4B2F70"/>
+                </a:solidFill>
+                <a:ea typeface="맑은 고딕" panose="020B0503020000020004" pitchFamily="50" charset="-127"/>
+              </a:rPr>
+              <a:t>데이터 수집</a:t>
+            </a:r>
+            <a:endParaRPr lang="en-US" altLang="ko-KR" sz="1000" dirty="0">
+              <a:solidFill>
+                <a:srgbClr val="4B2F70"/>
+              </a:solidFill>
+              <a:ea typeface="맑은 고딕" panose="020B0503020000020004" pitchFamily="50" charset="-127"/>
+            </a:endParaRPr>
+          </a:p>
+          <a:p>
+            <a:pPr>
+              <a:lnSpc>
+                <a:spcPct val="150000"/>
+              </a:lnSpc>
+              <a:defRPr/>
+            </a:pPr>
+            <a:r>
+              <a:rPr lang="en-US" altLang="ko-KR" sz="1000" dirty="0">
+                <a:solidFill>
+                  <a:srgbClr val="4B2F70"/>
+                </a:solidFill>
+                <a:ea typeface="맑은 고딕" panose="020B0503020000020004" pitchFamily="50" charset="-127"/>
+              </a:rPr>
+              <a:t>  - </a:t>
+            </a:r>
+            <a:r>
+              <a:rPr lang="ko-KR" altLang="en-US" sz="1000" dirty="0">
+                <a:solidFill>
+                  <a:srgbClr val="4B2F70"/>
+                </a:solidFill>
+                <a:ea typeface="맑은 고딕" panose="020B0503020000020004" pitchFamily="50" charset="-127"/>
+              </a:rPr>
+              <a:t>데이터 모델링</a:t>
+            </a:r>
+            <a:endParaRPr lang="en-US" altLang="ko-KR" sz="1000" dirty="0">
+              <a:solidFill>
+                <a:srgbClr val="4B2F70"/>
+              </a:solidFill>
+              <a:ea typeface="맑은 고딕" panose="020B0503020000020004" pitchFamily="50" charset="-127"/>
+            </a:endParaRPr>
           </a:p>
         </p:txBody>
       </p:sp>
@@ -10912,7 +11109,7 @@
         <p:spPr>
           <a:xfrm>
             <a:off x="4932040" y="4509120"/>
-            <a:ext cx="3276000" cy="1254189"/>
+            <a:ext cx="3276000" cy="1686103"/>
           </a:xfrm>
           <a:prstGeom prst="rect">
             <a:avLst/>
@@ -11029,6 +11226,94 @@
               </a:rPr>
               <a:t>  - </a:t>
             </a:r>
+            <a:r>
+              <a:rPr lang="ko-KR" altLang="en-US" sz="1000" dirty="0">
+                <a:solidFill>
+                  <a:srgbClr val="4B2F70"/>
+                </a:solidFill>
+                <a:ea typeface="맑은 고딕" panose="020B0503020000020004" pitchFamily="50" charset="-127"/>
+              </a:rPr>
+              <a:t>데이터 </a:t>
+            </a:r>
+            <a:r>
+              <a:rPr lang="ko-KR" altLang="en-US" sz="1000" dirty="0" err="1">
+                <a:solidFill>
+                  <a:srgbClr val="4B2F70"/>
+                </a:solidFill>
+                <a:ea typeface="맑은 고딕" panose="020B0503020000020004" pitchFamily="50" charset="-127"/>
+              </a:rPr>
+              <a:t>전처리</a:t>
+            </a:r>
+            <a:endParaRPr lang="en-US" altLang="ko-KR" sz="1000" dirty="0">
+              <a:solidFill>
+                <a:srgbClr val="4B2F70"/>
+              </a:solidFill>
+              <a:ea typeface="맑은 고딕" panose="020B0503020000020004" pitchFamily="50" charset="-127"/>
+            </a:endParaRPr>
+          </a:p>
+          <a:p>
+            <a:pPr>
+              <a:lnSpc>
+                <a:spcPct val="150000"/>
+              </a:lnSpc>
+              <a:defRPr/>
+            </a:pPr>
+            <a:r>
+              <a:rPr lang="en-US" altLang="ko-KR" sz="1000" dirty="0">
+                <a:solidFill>
+                  <a:srgbClr val="4B2F70"/>
+                </a:solidFill>
+                <a:ea typeface="맑은 고딕" panose="020B0503020000020004" pitchFamily="50" charset="-127"/>
+              </a:rPr>
+              <a:t>  - EDA </a:t>
+            </a:r>
+            <a:r>
+              <a:rPr lang="ko-KR" altLang="en-US" sz="1000" dirty="0">
+                <a:solidFill>
+                  <a:srgbClr val="4B2F70"/>
+                </a:solidFill>
+                <a:ea typeface="맑은 고딕" panose="020B0503020000020004" pitchFamily="50" charset="-127"/>
+              </a:rPr>
+              <a:t>및 시각화</a:t>
+            </a:r>
+            <a:endParaRPr lang="en-US" altLang="ko-KR" sz="1000" dirty="0">
+              <a:solidFill>
+                <a:srgbClr val="4B2F70"/>
+              </a:solidFill>
+              <a:ea typeface="맑은 고딕" panose="020B0503020000020004" pitchFamily="50" charset="-127"/>
+            </a:endParaRPr>
+          </a:p>
+          <a:p>
+            <a:pPr>
+              <a:lnSpc>
+                <a:spcPct val="150000"/>
+              </a:lnSpc>
+              <a:defRPr/>
+            </a:pPr>
+            <a:r>
+              <a:rPr lang="en-US" altLang="ko-KR" sz="1000" dirty="0">
+                <a:solidFill>
+                  <a:srgbClr val="4B2F70"/>
+                </a:solidFill>
+                <a:ea typeface="맑은 고딕" panose="020B0503020000020004" pitchFamily="50" charset="-127"/>
+              </a:rPr>
+              <a:t>  - PPT </a:t>
+            </a:r>
+            <a:r>
+              <a:rPr lang="ko-KR" altLang="en-US" sz="1000" dirty="0">
+                <a:solidFill>
+                  <a:srgbClr val="4B2F70"/>
+                </a:solidFill>
+                <a:ea typeface="맑은 고딕" panose="020B0503020000020004" pitchFamily="50" charset="-127"/>
+              </a:rPr>
+              <a:t>제작</a:t>
+            </a:r>
+            <a:endParaRPr lang="en-US" altLang="ko-KR" sz="1000" dirty="0">
+              <a:solidFill>
+                <a:srgbClr val="4B2F70"/>
+              </a:solidFill>
+              <a:ea typeface="맑은 고딕" panose="020B0503020000020004" pitchFamily="50" charset="-127"/>
+            </a:endParaRPr>
           </a:p>
         </p:txBody>
       </p:sp>
@@ -11388,6 +11673,21 @@
               </a:rPr>
               <a:t>  - </a:t>
             </a:r>
+            <a:r>
+              <a:rPr lang="ko-KR" altLang="en-US" sz="1000" dirty="0">
+                <a:solidFill>
+                  <a:srgbClr val="4B2F70"/>
+                </a:solidFill>
+                <a:ea typeface="맑은 고딕" panose="020B0503020000020004" pitchFamily="50" charset="-127"/>
+              </a:rPr>
+              <a:t>데이터 수집</a:t>
+            </a:r>
+            <a:endParaRPr lang="en-US" altLang="ko-KR" sz="1000" dirty="0">
+              <a:solidFill>
+                <a:srgbClr val="4B2F70"/>
+              </a:solidFill>
+              <a:ea typeface="맑은 고딕" panose="020B0503020000020004" pitchFamily="50" charset="-127"/>
+            </a:endParaRPr>
           </a:p>
         </p:txBody>
       </p:sp>
@@ -14080,8 +14380,12 @@
           <a:lstStyle/>
           <a:p>
             <a:r>
+              <a:rPr lang="en-US" altLang="ko-KR" dirty="0"/>
+              <a:t>  </a:t>
+            </a:r>
+            <a:r>
               <a:rPr lang="ko-KR" altLang="en-US" dirty="0"/>
-              <a:t> 헤어스타일 선택에 어려움을 느끼는 미용실 이용자</a:t>
+              <a:t>영화를 제작하고자 하여 예산 책정을 고민하는 제작사</a:t>
             </a:r>
           </a:p>
         </p:txBody>
@@ -14116,14 +14420,29 @@
           <a:p>
             <a:r>
               <a:rPr lang="ko-KR" altLang="en-US" dirty="0"/>
-              <a:t>  데이터를 기반한 신뢰도 있는 헤어스타일 추천을 통해 미용실 이용자의</a:t>
+              <a:t>  데이터를 기반한 신뢰도 있는 예산 측정을 통해 제작사의</a:t>
+            </a:r>
+            <a:r>
+              <a:rPr lang="en-US" altLang="ko-KR" dirty="0"/>
+              <a:t> </a:t>
+            </a:r>
+            <a:r>
+              <a:rPr lang="ko-KR" altLang="en-US" dirty="0"/>
+              <a:t>예산 책정에</a:t>
             </a:r>
             <a:endParaRPr lang="en-US" altLang="ko-KR" dirty="0"/>
           </a:p>
           <a:p>
+            <a:endParaRPr lang="en-US" altLang="ko-KR" dirty="0"/>
+          </a:p>
+          <a:p>
+            <a:r>
+              <a:rPr lang="en-US" altLang="ko-KR" dirty="0"/>
+              <a:t>    </a:t>
+            </a:r>
             <a:r>
               <a:rPr lang="ko-KR" altLang="en-US" dirty="0"/>
-              <a:t>헤어스타일 선택에 큰 도움을 줄 수 </a:t>
+              <a:t>큰 도움을 줄 수 </a:t>
             </a:r>
             <a:r>
               <a:rPr lang="ko-KR" altLang="en-US" dirty="0" err="1"/>
